--- a/מצגת1.pptx
+++ b/מצגת1.pptx
@@ -6,6 +6,7 @@
   </p:sldMasterIdLst>
   <p:sldIdLst>
     <p:sldId id="256" r:id="rId2"/>
+    <p:sldId id="257" r:id="rId3"/>
   </p:sldIdLst>
   <p:sldSz cx="12192000" cy="6858000"/>
   <p:notesSz cx="6858000" cy="9144000"/>
@@ -104,6 +105,11 @@
       </a:defRPr>
     </a:lvl9pPr>
   </p:defaultTextStyle>
+  <p:extLst>
+    <p:ext uri="{EFAFB233-063F-42B5-8137-9DF3F51BA10A}">
+      <p15:sldGuideLst xmlns:p15="http://schemas.microsoft.com/office/powerpoint/2012/main"/>
+    </p:ext>
+  </p:extLst>
 </p:presentation>
 </file>
 
@@ -238,7 +244,7 @@
           <a:p>
             <a:fld id="{88F0712C-8846-4E02-84E1-C7C8791A5413}" type="datetimeFigureOut">
               <a:rPr lang="he-IL" smtClean="0"/>
-              <a:t>ח'/חשון/תשפ"ו</a:t>
+              <a:t>ז'/כסלו/תשפ"ו</a:t>
             </a:fld>
             <a:endParaRPr lang="he-IL"/>
           </a:p>
@@ -408,7 +414,7 @@
           <a:p>
             <a:fld id="{88F0712C-8846-4E02-84E1-C7C8791A5413}" type="datetimeFigureOut">
               <a:rPr lang="he-IL" smtClean="0"/>
-              <a:t>ח'/חשון/תשפ"ו</a:t>
+              <a:t>ז'/כסלו/תשפ"ו</a:t>
             </a:fld>
             <a:endParaRPr lang="he-IL"/>
           </a:p>
@@ -588,7 +594,7 @@
           <a:p>
             <a:fld id="{88F0712C-8846-4E02-84E1-C7C8791A5413}" type="datetimeFigureOut">
               <a:rPr lang="he-IL" smtClean="0"/>
-              <a:t>ח'/חשון/תשפ"ו</a:t>
+              <a:t>ז'/כסלו/תשפ"ו</a:t>
             </a:fld>
             <a:endParaRPr lang="he-IL"/>
           </a:p>
@@ -758,7 +764,7 @@
           <a:p>
             <a:fld id="{88F0712C-8846-4E02-84E1-C7C8791A5413}" type="datetimeFigureOut">
               <a:rPr lang="he-IL" smtClean="0"/>
-              <a:t>ח'/חשון/תשפ"ו</a:t>
+              <a:t>ז'/כסלו/תשפ"ו</a:t>
             </a:fld>
             <a:endParaRPr lang="he-IL"/>
           </a:p>
@@ -1004,7 +1010,7 @@
           <a:p>
             <a:fld id="{88F0712C-8846-4E02-84E1-C7C8791A5413}" type="datetimeFigureOut">
               <a:rPr lang="he-IL" smtClean="0"/>
-              <a:t>ח'/חשון/תשפ"ו</a:t>
+              <a:t>ז'/כסלו/תשפ"ו</a:t>
             </a:fld>
             <a:endParaRPr lang="he-IL"/>
           </a:p>
@@ -1236,7 +1242,7 @@
           <a:p>
             <a:fld id="{88F0712C-8846-4E02-84E1-C7C8791A5413}" type="datetimeFigureOut">
               <a:rPr lang="he-IL" smtClean="0"/>
-              <a:t>ח'/חשון/תשפ"ו</a:t>
+              <a:t>ז'/כסלו/תשפ"ו</a:t>
             </a:fld>
             <a:endParaRPr lang="he-IL"/>
           </a:p>
@@ -1603,7 +1609,7 @@
           <a:p>
             <a:fld id="{88F0712C-8846-4E02-84E1-C7C8791A5413}" type="datetimeFigureOut">
               <a:rPr lang="he-IL" smtClean="0"/>
-              <a:t>ח'/חשון/תשפ"ו</a:t>
+              <a:t>ז'/כסלו/תשפ"ו</a:t>
             </a:fld>
             <a:endParaRPr lang="he-IL"/>
           </a:p>
@@ -1721,7 +1727,7 @@
           <a:p>
             <a:fld id="{88F0712C-8846-4E02-84E1-C7C8791A5413}" type="datetimeFigureOut">
               <a:rPr lang="he-IL" smtClean="0"/>
-              <a:t>ח'/חשון/תשפ"ו</a:t>
+              <a:t>ז'/כסלו/תשפ"ו</a:t>
             </a:fld>
             <a:endParaRPr lang="he-IL"/>
           </a:p>
@@ -1816,7 +1822,7 @@
           <a:p>
             <a:fld id="{88F0712C-8846-4E02-84E1-C7C8791A5413}" type="datetimeFigureOut">
               <a:rPr lang="he-IL" smtClean="0"/>
-              <a:t>ח'/חשון/תשפ"ו</a:t>
+              <a:t>ז'/כסלו/תשפ"ו</a:t>
             </a:fld>
             <a:endParaRPr lang="he-IL"/>
           </a:p>
@@ -2093,7 +2099,7 @@
           <a:p>
             <a:fld id="{88F0712C-8846-4E02-84E1-C7C8791A5413}" type="datetimeFigureOut">
               <a:rPr lang="he-IL" smtClean="0"/>
-              <a:t>ח'/חשון/תשפ"ו</a:t>
+              <a:t>ז'/כסלו/תשפ"ו</a:t>
             </a:fld>
             <a:endParaRPr lang="he-IL"/>
           </a:p>
@@ -2346,7 +2352,7 @@
           <a:p>
             <a:fld id="{88F0712C-8846-4E02-84E1-C7C8791A5413}" type="datetimeFigureOut">
               <a:rPr lang="he-IL" smtClean="0"/>
-              <a:t>ח'/חשון/תשפ"ו</a:t>
+              <a:t>ז'/כסלו/תשפ"ו</a:t>
             </a:fld>
             <a:endParaRPr lang="he-IL"/>
           </a:p>
@@ -2559,7 +2565,7 @@
           <a:p>
             <a:fld id="{88F0712C-8846-4E02-84E1-C7C8791A5413}" type="datetimeFigureOut">
               <a:rPr lang="he-IL" smtClean="0"/>
-              <a:t>ח'/חשון/תשפ"ו</a:t>
+              <a:t>ז'/כסלו/תשפ"ו</a:t>
             </a:fld>
             <a:endParaRPr lang="he-IL"/>
           </a:p>
@@ -2966,6 +2972,1085 @@
       </p:grpSpPr>
       <p:sp>
         <p:nvSpPr>
+          <p:cNvPr id="2" name="מלבן 1"/>
+          <p:cNvSpPr/>
+          <p:nvPr/>
+        </p:nvSpPr>
+        <p:spPr>
+          <a:xfrm>
+            <a:off x="4396153" y="2189283"/>
+            <a:ext cx="3446584" cy="3657602"/>
+          </a:xfrm>
+          <a:prstGeom prst="rect">
+            <a:avLst/>
+          </a:prstGeom>
+        </p:spPr>
+        <p:style>
+          <a:lnRef idx="2">
+            <a:schemeClr val="accent1">
+              <a:shade val="50000"/>
+            </a:schemeClr>
+          </a:lnRef>
+          <a:fillRef idx="1">
+            <a:schemeClr val="accent1"/>
+          </a:fillRef>
+          <a:effectRef idx="0">
+            <a:schemeClr val="accent1"/>
+          </a:effectRef>
+          <a:fontRef idx="minor">
+            <a:schemeClr val="lt1"/>
+          </a:fontRef>
+        </p:style>
+        <p:txBody>
+          <a:bodyPr rtlCol="1" anchor="ctr"/>
+          <a:lstStyle/>
+          <a:p>
+            <a:pPr algn="ctr"/>
+            <a:r>
+              <a:rPr lang="en-US" dirty="0" smtClean="0"/>
+              <a:t>.NET service</a:t>
+            </a:r>
+            <a:endParaRPr lang="he-IL" dirty="0"/>
+          </a:p>
+        </p:txBody>
+      </p:sp>
+      <p:sp>
+        <p:nvSpPr>
+          <p:cNvPr id="10" name="מלבן 9"/>
+          <p:cNvSpPr/>
+          <p:nvPr/>
+        </p:nvSpPr>
+        <p:spPr>
+          <a:xfrm>
+            <a:off x="1225061" y="2189283"/>
+            <a:ext cx="1966546" cy="688731"/>
+          </a:xfrm>
+          <a:prstGeom prst="rect">
+            <a:avLst/>
+          </a:prstGeom>
+        </p:spPr>
+        <p:style>
+          <a:lnRef idx="2">
+            <a:schemeClr val="accent1">
+              <a:shade val="50000"/>
+            </a:schemeClr>
+          </a:lnRef>
+          <a:fillRef idx="1">
+            <a:schemeClr val="accent1"/>
+          </a:fillRef>
+          <a:effectRef idx="0">
+            <a:schemeClr val="accent1"/>
+          </a:effectRef>
+          <a:fontRef idx="minor">
+            <a:schemeClr val="lt1"/>
+          </a:fontRef>
+        </p:style>
+        <p:txBody>
+          <a:bodyPr rtlCol="1" anchor="ctr"/>
+          <a:lstStyle/>
+          <a:p>
+            <a:pPr algn="ctr"/>
+            <a:r>
+              <a:rPr lang="en-US" dirty="0" smtClean="0"/>
+              <a:t>Python service</a:t>
+            </a:r>
+            <a:endParaRPr lang="he-IL" dirty="0"/>
+          </a:p>
+        </p:txBody>
+      </p:sp>
+      <p:sp>
+        <p:nvSpPr>
+          <p:cNvPr id="11" name="מלבן 10"/>
+          <p:cNvSpPr/>
+          <p:nvPr/>
+        </p:nvSpPr>
+        <p:spPr>
+          <a:xfrm>
+            <a:off x="1225061" y="3642945"/>
+            <a:ext cx="1966546" cy="688731"/>
+          </a:xfrm>
+          <a:prstGeom prst="rect">
+            <a:avLst/>
+          </a:prstGeom>
+        </p:spPr>
+        <p:style>
+          <a:lnRef idx="2">
+            <a:schemeClr val="accent1">
+              <a:shade val="50000"/>
+            </a:schemeClr>
+          </a:lnRef>
+          <a:fillRef idx="1">
+            <a:schemeClr val="accent1"/>
+          </a:fillRef>
+          <a:effectRef idx="0">
+            <a:schemeClr val="accent1"/>
+          </a:effectRef>
+          <a:fontRef idx="minor">
+            <a:schemeClr val="lt1"/>
+          </a:fontRef>
+        </p:style>
+        <p:txBody>
+          <a:bodyPr rtlCol="1" anchor="ctr"/>
+          <a:lstStyle/>
+          <a:p>
+            <a:pPr algn="ctr"/>
+            <a:r>
+              <a:rPr lang="en-US" dirty="0" smtClean="0"/>
+              <a:t>Gemini API</a:t>
+            </a:r>
+            <a:endParaRPr lang="he-IL" dirty="0"/>
+          </a:p>
+        </p:txBody>
+      </p:sp>
+      <p:sp>
+        <p:nvSpPr>
+          <p:cNvPr id="12" name="מלבן 11"/>
+          <p:cNvSpPr/>
+          <p:nvPr/>
+        </p:nvSpPr>
+        <p:spPr>
+          <a:xfrm>
+            <a:off x="5043854" y="322384"/>
+            <a:ext cx="1966546" cy="688731"/>
+          </a:xfrm>
+          <a:prstGeom prst="rect">
+            <a:avLst/>
+          </a:prstGeom>
+        </p:spPr>
+        <p:style>
+          <a:lnRef idx="2">
+            <a:schemeClr val="accent1">
+              <a:shade val="50000"/>
+            </a:schemeClr>
+          </a:lnRef>
+          <a:fillRef idx="1">
+            <a:schemeClr val="accent1"/>
+          </a:fillRef>
+          <a:effectRef idx="0">
+            <a:schemeClr val="accent1"/>
+          </a:effectRef>
+          <a:fontRef idx="minor">
+            <a:schemeClr val="lt1"/>
+          </a:fontRef>
+        </p:style>
+        <p:txBody>
+          <a:bodyPr rtlCol="1" anchor="ctr"/>
+          <a:lstStyle/>
+          <a:p>
+            <a:pPr algn="ctr"/>
+            <a:r>
+              <a:rPr lang="en-US" dirty="0" smtClean="0"/>
+              <a:t>FTP server</a:t>
+            </a:r>
+            <a:endParaRPr lang="he-IL" dirty="0"/>
+          </a:p>
+        </p:txBody>
+      </p:sp>
+      <p:grpSp>
+        <p:nvGrpSpPr>
+          <p:cNvPr id="24" name="קבוצה 23"/>
+          <p:cNvGrpSpPr/>
+          <p:nvPr/>
+        </p:nvGrpSpPr>
+        <p:grpSpPr>
+          <a:xfrm>
+            <a:off x="6304083" y="1011115"/>
+            <a:ext cx="424963" cy="1178168"/>
+            <a:chOff x="6304083" y="1011115"/>
+            <a:chExt cx="424963" cy="1178168"/>
+          </a:xfrm>
+        </p:grpSpPr>
+        <p:cxnSp>
+          <p:nvCxnSpPr>
+            <p:cNvPr id="7" name="מחבר חץ ישר 6"/>
+            <p:cNvCxnSpPr/>
+            <p:nvPr/>
+          </p:nvCxnSpPr>
+          <p:spPr>
+            <a:xfrm flipV="1">
+              <a:off x="6729046" y="1011115"/>
+              <a:ext cx="0" cy="1178168"/>
+            </a:xfrm>
+            <a:prstGeom prst="straightConnector1">
+              <a:avLst/>
+            </a:prstGeom>
+            <a:ln>
+              <a:tailEnd type="triangle"/>
+            </a:ln>
+          </p:spPr>
+          <p:style>
+            <a:lnRef idx="1">
+              <a:schemeClr val="accent1"/>
+            </a:lnRef>
+            <a:fillRef idx="0">
+              <a:schemeClr val="accent1"/>
+            </a:fillRef>
+            <a:effectRef idx="0">
+              <a:schemeClr val="accent1"/>
+            </a:effectRef>
+            <a:fontRef idx="minor">
+              <a:schemeClr val="tx1"/>
+            </a:fontRef>
+          </p:style>
+        </p:cxnSp>
+        <p:cxnSp>
+          <p:nvCxnSpPr>
+            <p:cNvPr id="13" name="מחבר חץ ישר 12"/>
+            <p:cNvCxnSpPr/>
+            <p:nvPr/>
+          </p:nvCxnSpPr>
+          <p:spPr>
+            <a:xfrm>
+              <a:off x="6304083" y="1011115"/>
+              <a:ext cx="0" cy="1178168"/>
+            </a:xfrm>
+            <a:prstGeom prst="straightConnector1">
+              <a:avLst/>
+            </a:prstGeom>
+            <a:ln>
+              <a:tailEnd type="triangle"/>
+            </a:ln>
+          </p:spPr>
+          <p:style>
+            <a:lnRef idx="1">
+              <a:schemeClr val="accent1"/>
+            </a:lnRef>
+            <a:fillRef idx="0">
+              <a:schemeClr val="accent1"/>
+            </a:fillRef>
+            <a:effectRef idx="0">
+              <a:schemeClr val="accent1"/>
+            </a:effectRef>
+            <a:fontRef idx="minor">
+              <a:schemeClr val="tx1"/>
+            </a:fontRef>
+          </p:style>
+        </p:cxnSp>
+      </p:grpSp>
+      <p:sp>
+        <p:nvSpPr>
+          <p:cNvPr id="17" name="TextBox 16"/>
+          <p:cNvSpPr txBox="1"/>
+          <p:nvPr/>
+        </p:nvSpPr>
+        <p:spPr>
+          <a:xfrm>
+            <a:off x="6729046" y="1415532"/>
+            <a:ext cx="301686" cy="369332"/>
+          </a:xfrm>
+          <a:prstGeom prst="rect">
+            <a:avLst/>
+          </a:prstGeom>
+          <a:noFill/>
+        </p:spPr>
+        <p:txBody>
+          <a:bodyPr wrap="none" rtlCol="1">
+            <a:spAutoFit/>
+          </a:bodyPr>
+          <a:lstStyle/>
+          <a:p>
+            <a:r>
+              <a:rPr lang="en-US" dirty="0" smtClean="0"/>
+              <a:t>1</a:t>
+            </a:r>
+            <a:endParaRPr lang="he-IL" dirty="0"/>
+          </a:p>
+        </p:txBody>
+      </p:sp>
+      <p:sp>
+        <p:nvSpPr>
+          <p:cNvPr id="18" name="TextBox 17"/>
+          <p:cNvSpPr txBox="1"/>
+          <p:nvPr/>
+        </p:nvSpPr>
+        <p:spPr>
+          <a:xfrm>
+            <a:off x="5817759" y="1415532"/>
+            <a:ext cx="301686" cy="369332"/>
+          </a:xfrm>
+          <a:prstGeom prst="rect">
+            <a:avLst/>
+          </a:prstGeom>
+          <a:noFill/>
+        </p:spPr>
+        <p:txBody>
+          <a:bodyPr wrap="none" rtlCol="1">
+            <a:spAutoFit/>
+          </a:bodyPr>
+          <a:lstStyle/>
+          <a:p>
+            <a:r>
+              <a:rPr lang="en-US" dirty="0" smtClean="0"/>
+              <a:t>2</a:t>
+            </a:r>
+            <a:endParaRPr lang="he-IL" dirty="0"/>
+          </a:p>
+        </p:txBody>
+      </p:sp>
+      <p:sp>
+        <p:nvSpPr>
+          <p:cNvPr id="19" name="TextBox 18"/>
+          <p:cNvSpPr txBox="1"/>
+          <p:nvPr/>
+        </p:nvSpPr>
+        <p:spPr>
+          <a:xfrm>
+            <a:off x="3638824" y="2004617"/>
+            <a:ext cx="301686" cy="369332"/>
+          </a:xfrm>
+          <a:prstGeom prst="rect">
+            <a:avLst/>
+          </a:prstGeom>
+          <a:noFill/>
+        </p:spPr>
+        <p:txBody>
+          <a:bodyPr wrap="none" rtlCol="1">
+            <a:spAutoFit/>
+          </a:bodyPr>
+          <a:lstStyle/>
+          <a:p>
+            <a:r>
+              <a:rPr lang="en-US" dirty="0" smtClean="0"/>
+              <a:t>3</a:t>
+            </a:r>
+            <a:endParaRPr lang="he-IL" dirty="0"/>
+          </a:p>
+        </p:txBody>
+      </p:sp>
+      <p:sp>
+        <p:nvSpPr>
+          <p:cNvPr id="20" name="TextBox 19"/>
+          <p:cNvSpPr txBox="1"/>
+          <p:nvPr/>
+        </p:nvSpPr>
+        <p:spPr>
+          <a:xfrm>
+            <a:off x="3638824" y="2508682"/>
+            <a:ext cx="301686" cy="369332"/>
+          </a:xfrm>
+          <a:prstGeom prst="rect">
+            <a:avLst/>
+          </a:prstGeom>
+          <a:noFill/>
+        </p:spPr>
+        <p:txBody>
+          <a:bodyPr wrap="none" rtlCol="1">
+            <a:spAutoFit/>
+          </a:bodyPr>
+          <a:lstStyle/>
+          <a:p>
+            <a:r>
+              <a:rPr lang="en-US" dirty="0" smtClean="0"/>
+              <a:t>4</a:t>
+            </a:r>
+            <a:endParaRPr lang="he-IL" dirty="0"/>
+          </a:p>
+        </p:txBody>
+      </p:sp>
+      <p:sp>
+        <p:nvSpPr>
+          <p:cNvPr id="21" name="TextBox 20"/>
+          <p:cNvSpPr txBox="1"/>
+          <p:nvPr/>
+        </p:nvSpPr>
+        <p:spPr>
+          <a:xfrm>
+            <a:off x="3715803" y="3382051"/>
+            <a:ext cx="301686" cy="369332"/>
+          </a:xfrm>
+          <a:prstGeom prst="rect">
+            <a:avLst/>
+          </a:prstGeom>
+          <a:noFill/>
+        </p:spPr>
+        <p:txBody>
+          <a:bodyPr wrap="none" rtlCol="1">
+            <a:spAutoFit/>
+          </a:bodyPr>
+          <a:lstStyle/>
+          <a:p>
+            <a:r>
+              <a:rPr lang="en-US" dirty="0" smtClean="0"/>
+              <a:t>5</a:t>
+            </a:r>
+            <a:endParaRPr lang="he-IL" dirty="0"/>
+          </a:p>
+        </p:txBody>
+      </p:sp>
+      <p:sp>
+        <p:nvSpPr>
+          <p:cNvPr id="22" name="TextBox 21"/>
+          <p:cNvSpPr txBox="1"/>
+          <p:nvPr/>
+        </p:nvSpPr>
+        <p:spPr>
+          <a:xfrm>
+            <a:off x="3715803" y="4147010"/>
+            <a:ext cx="301686" cy="369332"/>
+          </a:xfrm>
+          <a:prstGeom prst="rect">
+            <a:avLst/>
+          </a:prstGeom>
+          <a:noFill/>
+        </p:spPr>
+        <p:txBody>
+          <a:bodyPr wrap="none" rtlCol="1">
+            <a:spAutoFit/>
+          </a:bodyPr>
+          <a:lstStyle/>
+          <a:p>
+            <a:r>
+              <a:rPr lang="en-US" dirty="0" smtClean="0"/>
+              <a:t>6</a:t>
+            </a:r>
+            <a:endParaRPr lang="he-IL" dirty="0"/>
+          </a:p>
+        </p:txBody>
+      </p:sp>
+      <p:grpSp>
+        <p:nvGrpSpPr>
+          <p:cNvPr id="28" name="קבוצה 27"/>
+          <p:cNvGrpSpPr/>
+          <p:nvPr/>
+        </p:nvGrpSpPr>
+        <p:grpSpPr>
+          <a:xfrm rot="16200000">
+            <a:off x="3581398" y="2094058"/>
+            <a:ext cx="424963" cy="1046287"/>
+            <a:chOff x="6304083" y="1011115"/>
+            <a:chExt cx="424963" cy="1178168"/>
+          </a:xfrm>
+        </p:grpSpPr>
+        <p:cxnSp>
+          <p:nvCxnSpPr>
+            <p:cNvPr id="29" name="מחבר חץ ישר 28"/>
+            <p:cNvCxnSpPr/>
+            <p:nvPr/>
+          </p:nvCxnSpPr>
+          <p:spPr>
+            <a:xfrm flipV="1">
+              <a:off x="6729046" y="1011115"/>
+              <a:ext cx="0" cy="1178168"/>
+            </a:xfrm>
+            <a:prstGeom prst="straightConnector1">
+              <a:avLst/>
+            </a:prstGeom>
+            <a:ln>
+              <a:tailEnd type="triangle"/>
+            </a:ln>
+          </p:spPr>
+          <p:style>
+            <a:lnRef idx="1">
+              <a:schemeClr val="accent1"/>
+            </a:lnRef>
+            <a:fillRef idx="0">
+              <a:schemeClr val="accent1"/>
+            </a:fillRef>
+            <a:effectRef idx="0">
+              <a:schemeClr val="accent1"/>
+            </a:effectRef>
+            <a:fontRef idx="minor">
+              <a:schemeClr val="tx1"/>
+            </a:fontRef>
+          </p:style>
+        </p:cxnSp>
+        <p:cxnSp>
+          <p:nvCxnSpPr>
+            <p:cNvPr id="30" name="מחבר חץ ישר 29"/>
+            <p:cNvCxnSpPr/>
+            <p:nvPr/>
+          </p:nvCxnSpPr>
+          <p:spPr>
+            <a:xfrm>
+              <a:off x="6304083" y="1011115"/>
+              <a:ext cx="0" cy="1178168"/>
+            </a:xfrm>
+            <a:prstGeom prst="straightConnector1">
+              <a:avLst/>
+            </a:prstGeom>
+            <a:ln>
+              <a:tailEnd type="triangle"/>
+            </a:ln>
+          </p:spPr>
+          <p:style>
+            <a:lnRef idx="1">
+              <a:schemeClr val="accent1"/>
+            </a:lnRef>
+            <a:fillRef idx="0">
+              <a:schemeClr val="accent1"/>
+            </a:fillRef>
+            <a:effectRef idx="0">
+              <a:schemeClr val="accent1"/>
+            </a:effectRef>
+            <a:fontRef idx="minor">
+              <a:schemeClr val="tx1"/>
+            </a:fontRef>
+          </p:style>
+        </p:cxnSp>
+      </p:grpSp>
+      <p:grpSp>
+        <p:nvGrpSpPr>
+          <p:cNvPr id="31" name="קבוצה 30"/>
+          <p:cNvGrpSpPr/>
+          <p:nvPr/>
+        </p:nvGrpSpPr>
+        <p:grpSpPr>
+          <a:xfrm rot="16200000">
+            <a:off x="3554424" y="3509482"/>
+            <a:ext cx="424963" cy="1046287"/>
+            <a:chOff x="6304083" y="1011115"/>
+            <a:chExt cx="424963" cy="1178168"/>
+          </a:xfrm>
+        </p:grpSpPr>
+        <p:cxnSp>
+          <p:nvCxnSpPr>
+            <p:cNvPr id="32" name="מחבר חץ ישר 31"/>
+            <p:cNvCxnSpPr/>
+            <p:nvPr/>
+          </p:nvCxnSpPr>
+          <p:spPr>
+            <a:xfrm flipV="1">
+              <a:off x="6729046" y="1011115"/>
+              <a:ext cx="0" cy="1178168"/>
+            </a:xfrm>
+            <a:prstGeom prst="straightConnector1">
+              <a:avLst/>
+            </a:prstGeom>
+            <a:ln>
+              <a:tailEnd type="triangle"/>
+            </a:ln>
+          </p:spPr>
+          <p:style>
+            <a:lnRef idx="1">
+              <a:schemeClr val="accent1"/>
+            </a:lnRef>
+            <a:fillRef idx="0">
+              <a:schemeClr val="accent1"/>
+            </a:fillRef>
+            <a:effectRef idx="0">
+              <a:schemeClr val="accent1"/>
+            </a:effectRef>
+            <a:fontRef idx="minor">
+              <a:schemeClr val="tx1"/>
+            </a:fontRef>
+          </p:style>
+        </p:cxnSp>
+        <p:cxnSp>
+          <p:nvCxnSpPr>
+            <p:cNvPr id="33" name="מחבר חץ ישר 32"/>
+            <p:cNvCxnSpPr/>
+            <p:nvPr/>
+          </p:nvCxnSpPr>
+          <p:spPr>
+            <a:xfrm>
+              <a:off x="6304083" y="1011115"/>
+              <a:ext cx="0" cy="1178168"/>
+            </a:xfrm>
+            <a:prstGeom prst="straightConnector1">
+              <a:avLst/>
+            </a:prstGeom>
+            <a:ln>
+              <a:tailEnd type="triangle"/>
+            </a:ln>
+          </p:spPr>
+          <p:style>
+            <a:lnRef idx="1">
+              <a:schemeClr val="accent1"/>
+            </a:lnRef>
+            <a:fillRef idx="0">
+              <a:schemeClr val="accent1"/>
+            </a:fillRef>
+            <a:effectRef idx="0">
+              <a:schemeClr val="accent1"/>
+            </a:effectRef>
+            <a:fontRef idx="minor">
+              <a:schemeClr val="tx1"/>
+            </a:fontRef>
+          </p:style>
+        </p:cxnSp>
+      </p:grpSp>
+      <p:sp>
+        <p:nvSpPr>
+          <p:cNvPr id="34" name="מלבן 33"/>
+          <p:cNvSpPr/>
+          <p:nvPr/>
+        </p:nvSpPr>
+        <p:spPr>
+          <a:xfrm>
+            <a:off x="1257002" y="5096607"/>
+            <a:ext cx="1966546" cy="688731"/>
+          </a:xfrm>
+          <a:prstGeom prst="rect">
+            <a:avLst/>
+          </a:prstGeom>
+        </p:spPr>
+        <p:style>
+          <a:lnRef idx="2">
+            <a:schemeClr val="accent1">
+              <a:shade val="50000"/>
+            </a:schemeClr>
+          </a:lnRef>
+          <a:fillRef idx="1">
+            <a:schemeClr val="accent1"/>
+          </a:fillRef>
+          <a:effectRef idx="0">
+            <a:schemeClr val="accent1"/>
+          </a:effectRef>
+          <a:fontRef idx="minor">
+            <a:schemeClr val="lt1"/>
+          </a:fontRef>
+        </p:style>
+        <p:txBody>
+          <a:bodyPr rtlCol="1" anchor="ctr"/>
+          <a:lstStyle/>
+          <a:p>
+            <a:pPr algn="ctr"/>
+            <a:r>
+              <a:rPr lang="en-US" dirty="0" smtClean="0"/>
+              <a:t>Gemini API</a:t>
+            </a:r>
+            <a:endParaRPr lang="he-IL" dirty="0"/>
+          </a:p>
+        </p:txBody>
+      </p:sp>
+      <p:sp>
+        <p:nvSpPr>
+          <p:cNvPr id="35" name="TextBox 34"/>
+          <p:cNvSpPr txBox="1"/>
+          <p:nvPr/>
+        </p:nvSpPr>
+        <p:spPr>
+          <a:xfrm>
+            <a:off x="3821907" y="4819423"/>
+            <a:ext cx="301686" cy="369332"/>
+          </a:xfrm>
+          <a:prstGeom prst="rect">
+            <a:avLst/>
+          </a:prstGeom>
+          <a:noFill/>
+        </p:spPr>
+        <p:txBody>
+          <a:bodyPr wrap="none" rtlCol="1">
+            <a:spAutoFit/>
+          </a:bodyPr>
+          <a:lstStyle/>
+          <a:p>
+            <a:r>
+              <a:rPr lang="en-US" dirty="0" smtClean="0"/>
+              <a:t>7</a:t>
+            </a:r>
+            <a:endParaRPr lang="he-IL" dirty="0"/>
+          </a:p>
+        </p:txBody>
+      </p:sp>
+      <p:sp>
+        <p:nvSpPr>
+          <p:cNvPr id="36" name="TextBox 35"/>
+          <p:cNvSpPr txBox="1"/>
+          <p:nvPr/>
+        </p:nvSpPr>
+        <p:spPr>
+          <a:xfrm>
+            <a:off x="3821907" y="5584382"/>
+            <a:ext cx="301686" cy="369332"/>
+          </a:xfrm>
+          <a:prstGeom prst="rect">
+            <a:avLst/>
+          </a:prstGeom>
+          <a:noFill/>
+        </p:spPr>
+        <p:txBody>
+          <a:bodyPr wrap="none" rtlCol="1">
+            <a:spAutoFit/>
+          </a:bodyPr>
+          <a:lstStyle/>
+          <a:p>
+            <a:r>
+              <a:rPr lang="en-US" dirty="0" smtClean="0"/>
+              <a:t>8</a:t>
+            </a:r>
+            <a:endParaRPr lang="he-IL" dirty="0"/>
+          </a:p>
+        </p:txBody>
+      </p:sp>
+      <p:grpSp>
+        <p:nvGrpSpPr>
+          <p:cNvPr id="37" name="קבוצה 36"/>
+          <p:cNvGrpSpPr/>
+          <p:nvPr/>
+        </p:nvGrpSpPr>
+        <p:grpSpPr>
+          <a:xfrm rot="16200000">
+            <a:off x="3660528" y="4946854"/>
+            <a:ext cx="424963" cy="1046287"/>
+            <a:chOff x="6304083" y="1011115"/>
+            <a:chExt cx="424963" cy="1178168"/>
+          </a:xfrm>
+        </p:grpSpPr>
+        <p:cxnSp>
+          <p:nvCxnSpPr>
+            <p:cNvPr id="38" name="מחבר חץ ישר 37"/>
+            <p:cNvCxnSpPr/>
+            <p:nvPr/>
+          </p:nvCxnSpPr>
+          <p:spPr>
+            <a:xfrm flipV="1">
+              <a:off x="6729046" y="1011115"/>
+              <a:ext cx="0" cy="1178168"/>
+            </a:xfrm>
+            <a:prstGeom prst="straightConnector1">
+              <a:avLst/>
+            </a:prstGeom>
+            <a:ln>
+              <a:tailEnd type="triangle"/>
+            </a:ln>
+          </p:spPr>
+          <p:style>
+            <a:lnRef idx="1">
+              <a:schemeClr val="accent1"/>
+            </a:lnRef>
+            <a:fillRef idx="0">
+              <a:schemeClr val="accent1"/>
+            </a:fillRef>
+            <a:effectRef idx="0">
+              <a:schemeClr val="accent1"/>
+            </a:effectRef>
+            <a:fontRef idx="minor">
+              <a:schemeClr val="tx1"/>
+            </a:fontRef>
+          </p:style>
+        </p:cxnSp>
+        <p:cxnSp>
+          <p:nvCxnSpPr>
+            <p:cNvPr id="39" name="מחבר חץ ישר 38"/>
+            <p:cNvCxnSpPr/>
+            <p:nvPr/>
+          </p:nvCxnSpPr>
+          <p:spPr>
+            <a:xfrm>
+              <a:off x="6304083" y="1011115"/>
+              <a:ext cx="0" cy="1178168"/>
+            </a:xfrm>
+            <a:prstGeom prst="straightConnector1">
+              <a:avLst/>
+            </a:prstGeom>
+            <a:ln>
+              <a:tailEnd type="triangle"/>
+            </a:ln>
+          </p:spPr>
+          <p:style>
+            <a:lnRef idx="1">
+              <a:schemeClr val="accent1"/>
+            </a:lnRef>
+            <a:fillRef idx="0">
+              <a:schemeClr val="accent1"/>
+            </a:fillRef>
+            <a:effectRef idx="0">
+              <a:schemeClr val="accent1"/>
+            </a:effectRef>
+            <a:fontRef idx="minor">
+              <a:schemeClr val="tx1"/>
+            </a:fontRef>
+          </p:style>
+        </p:cxnSp>
+      </p:grpSp>
+      <p:sp>
+        <p:nvSpPr>
+          <p:cNvPr id="40" name="TextBox 39"/>
+          <p:cNvSpPr txBox="1"/>
+          <p:nvPr/>
+        </p:nvSpPr>
+        <p:spPr>
+          <a:xfrm>
+            <a:off x="8335108" y="729762"/>
+            <a:ext cx="3754315" cy="6186309"/>
+          </a:xfrm>
+          <a:prstGeom prst="rect">
+            <a:avLst/>
+          </a:prstGeom>
+          <a:noFill/>
+        </p:spPr>
+        <p:txBody>
+          <a:bodyPr wrap="square" rtlCol="1">
+            <a:spAutoFit/>
+          </a:bodyPr>
+          <a:lstStyle/>
+          <a:p>
+            <a:r>
+              <a:rPr lang="he-IL" dirty="0" smtClean="0"/>
+              <a:t>מבנה:</a:t>
+            </a:r>
+          </a:p>
+          <a:p>
+            <a:pPr marL="342900" indent="-342900">
+              <a:buAutoNum type="arabicPeriod"/>
+            </a:pPr>
+            <a:r>
+              <a:rPr lang="he-IL" dirty="0" smtClean="0"/>
+              <a:t>כל 5 שניות דוגמים את שרת ה </a:t>
+            </a:r>
+            <a:r>
+              <a:rPr lang="en-US" dirty="0" smtClean="0"/>
+              <a:t>FTP</a:t>
+            </a:r>
+            <a:r>
+              <a:rPr lang="he-IL" dirty="0" smtClean="0"/>
+              <a:t> , מחפשים האם קיימות תיקיות חדשות.</a:t>
+            </a:r>
+          </a:p>
+          <a:p>
+            <a:pPr marL="342900" indent="-342900">
+              <a:buAutoNum type="arabicPeriod"/>
+            </a:pPr>
+            <a:r>
+              <a:rPr lang="he-IL" dirty="0" smtClean="0"/>
+              <a:t>במידה וכן, מעתיקים את התמונות אל השירות.</a:t>
+            </a:r>
+          </a:p>
+          <a:p>
+            <a:pPr marL="342900" indent="-342900">
+              <a:buAutoNum type="arabicPeriod"/>
+            </a:pPr>
+            <a:r>
+              <a:rPr lang="he-IL" dirty="0" smtClean="0"/>
+              <a:t>שולחים לשרת </a:t>
+            </a:r>
+            <a:r>
+              <a:rPr lang="he-IL" dirty="0" err="1" smtClean="0"/>
+              <a:t>הפייתון</a:t>
+            </a:r>
+            <a:r>
+              <a:rPr lang="he-IL" dirty="0" smtClean="0"/>
+              <a:t> על מנת לקבל </a:t>
+            </a:r>
+            <a:r>
+              <a:rPr lang="he-IL" dirty="0" err="1" smtClean="0"/>
+              <a:t>קורדינאטות</a:t>
+            </a:r>
+            <a:r>
+              <a:rPr lang="he-IL" dirty="0" smtClean="0"/>
+              <a:t> של המיקומים של החבילות.</a:t>
+            </a:r>
+          </a:p>
+          <a:p>
+            <a:pPr marL="342900" indent="-342900">
+              <a:buAutoNum type="arabicPeriod"/>
+            </a:pPr>
+            <a:r>
+              <a:rPr lang="he-IL" dirty="0" smtClean="0"/>
+              <a:t>מקבלים את התשובה בפורמט </a:t>
+            </a:r>
+            <a:r>
+              <a:rPr lang="en-US" dirty="0" smtClean="0"/>
+              <a:t>JSON</a:t>
+            </a:r>
+            <a:r>
+              <a:rPr lang="he-IL" dirty="0" smtClean="0"/>
+              <a:t>.</a:t>
+            </a:r>
+          </a:p>
+          <a:p>
+            <a:pPr marL="342900" indent="-342900">
+              <a:buAutoNum type="arabicPeriod"/>
+            </a:pPr>
+            <a:r>
+              <a:rPr lang="he-IL" dirty="0" smtClean="0"/>
+              <a:t>שולחים את אחת מהתמונות החתוכות ל </a:t>
+            </a:r>
+            <a:r>
+              <a:rPr lang="en-US" dirty="0" smtClean="0"/>
+              <a:t>GEMINI</a:t>
+            </a:r>
+            <a:r>
+              <a:rPr lang="he-IL" dirty="0" smtClean="0"/>
+              <a:t> על מנת להמיר את </a:t>
+            </a:r>
+            <a:r>
+              <a:rPr lang="he-IL" dirty="0" err="1" smtClean="0"/>
+              <a:t>התמונת</a:t>
+            </a:r>
+            <a:r>
+              <a:rPr lang="he-IL" dirty="0" smtClean="0"/>
+              <a:t> ל</a:t>
+            </a:r>
+            <a:r>
+              <a:rPr lang="en-US" dirty="0" smtClean="0"/>
+              <a:t>TEXT</a:t>
+            </a:r>
+            <a:r>
+              <a:rPr lang="he-IL" dirty="0" smtClean="0"/>
+              <a:t> . </a:t>
+            </a:r>
+          </a:p>
+          <a:p>
+            <a:pPr marL="342900" indent="-342900">
+              <a:buAutoNum type="arabicPeriod"/>
+            </a:pPr>
+            <a:r>
+              <a:rPr lang="he-IL" dirty="0" smtClean="0"/>
+              <a:t>מקבלים את התשובה בפורמט </a:t>
+            </a:r>
+            <a:r>
+              <a:rPr lang="en-US" dirty="0" smtClean="0"/>
+              <a:t>JSON</a:t>
+            </a:r>
+            <a:r>
+              <a:rPr lang="en-US" dirty="0"/>
+              <a:t> </a:t>
+            </a:r>
+            <a:r>
+              <a:rPr lang="he-IL" dirty="0" smtClean="0"/>
+              <a:t>על סמך ה </a:t>
+            </a:r>
+            <a:r>
+              <a:rPr lang="en-US" dirty="0" smtClean="0"/>
+              <a:t>INTERFACE</a:t>
+            </a:r>
+            <a:r>
+              <a:rPr lang="he-IL" dirty="0" smtClean="0"/>
+              <a:t> שסיכמתי עם איתי.</a:t>
+            </a:r>
+          </a:p>
+          <a:p>
+            <a:pPr marL="342900" indent="-342900">
+              <a:buAutoNum type="arabicPeriod"/>
+            </a:pPr>
+            <a:r>
+              <a:rPr lang="he-IL" dirty="0" smtClean="0"/>
+              <a:t>שולחים ל </a:t>
+            </a:r>
+            <a:r>
+              <a:rPr lang="en-US" dirty="0" smtClean="0"/>
+              <a:t>GEMINI</a:t>
+            </a:r>
+            <a:r>
+              <a:rPr lang="he-IL" dirty="0" smtClean="0"/>
+              <a:t> את המערך של כל התשובות על מנת לאמת אותן ולאחד את התמונות ששוכפלו.</a:t>
+            </a:r>
+          </a:p>
+          <a:p>
+            <a:pPr marL="342900" indent="-342900">
+              <a:buAutoNum type="arabicPeriod"/>
+            </a:pPr>
+            <a:r>
+              <a:rPr lang="he-IL" dirty="0" smtClean="0"/>
+              <a:t>מקבלים את התשובה בפורמט כנ"ל.</a:t>
+            </a:r>
+          </a:p>
+          <a:p>
+            <a:pPr marL="342900" indent="-342900">
+              <a:buAutoNum type="arabicPeriod"/>
+            </a:pPr>
+            <a:r>
+              <a:rPr lang="he-IL" dirty="0" smtClean="0"/>
+              <a:t>בדיקת נכונות הפורמט, ושליחה לשלב הבא – לשירות של איתי.</a:t>
+            </a:r>
+            <a:endParaRPr lang="he-IL" dirty="0"/>
+          </a:p>
+        </p:txBody>
+      </p:sp>
+      <p:cxnSp>
+        <p:nvCxnSpPr>
+          <p:cNvPr id="41" name="מחבר חץ ישר 40"/>
+          <p:cNvCxnSpPr/>
+          <p:nvPr/>
+        </p:nvCxnSpPr>
+        <p:spPr>
+          <a:xfrm flipH="1">
+            <a:off x="6101860" y="5971477"/>
+            <a:ext cx="17585" cy="781191"/>
+          </a:xfrm>
+          <a:prstGeom prst="straightConnector1">
+            <a:avLst/>
+          </a:prstGeom>
+          <a:ln>
+            <a:tailEnd type="triangle"/>
+          </a:ln>
+        </p:spPr>
+        <p:style>
+          <a:lnRef idx="1">
+            <a:schemeClr val="accent1"/>
+          </a:lnRef>
+          <a:fillRef idx="0">
+            <a:schemeClr val="accent1"/>
+          </a:fillRef>
+          <a:effectRef idx="0">
+            <a:schemeClr val="accent1"/>
+          </a:effectRef>
+          <a:fontRef idx="minor">
+            <a:schemeClr val="tx1"/>
+          </a:fontRef>
+        </p:style>
+      </p:cxnSp>
+      <p:sp>
+        <p:nvSpPr>
+          <p:cNvPr id="44" name="TextBox 43"/>
+          <p:cNvSpPr txBox="1"/>
+          <p:nvPr/>
+        </p:nvSpPr>
+        <p:spPr>
+          <a:xfrm>
+            <a:off x="5747696" y="6177406"/>
+            <a:ext cx="301686" cy="369332"/>
+          </a:xfrm>
+          <a:prstGeom prst="rect">
+            <a:avLst/>
+          </a:prstGeom>
+          <a:noFill/>
+        </p:spPr>
+        <p:txBody>
+          <a:bodyPr wrap="none" rtlCol="1">
+            <a:spAutoFit/>
+          </a:bodyPr>
+          <a:lstStyle/>
+          <a:p>
+            <a:r>
+              <a:rPr lang="en-US" dirty="0" smtClean="0"/>
+              <a:t>9</a:t>
+            </a:r>
+            <a:endParaRPr lang="he-IL" dirty="0"/>
+          </a:p>
+        </p:txBody>
+      </p:sp>
+    </p:spTree>
+    <p:extLst>
+      <p:ext uri="{BB962C8B-B14F-4D97-AF65-F5344CB8AC3E}">
+        <p14:creationId xmlns:p14="http://schemas.microsoft.com/office/powerpoint/2010/main" val="465868846"/>
+      </p:ext>
+    </p:extLst>
+  </p:cSld>
+  <p:clrMapOvr>
+    <a:masterClrMapping/>
+  </p:clrMapOvr>
+  <p:timing>
+    <p:tnLst>
+      <p:par>
+        <p:cTn id="1" dur="indefinite" restart="never" nodeType="tmRoot"/>
+      </p:par>
+    </p:tnLst>
+  </p:timing>
+</p:sld>
+</file>
+
+<file path=ppt/slides/slide2.xml><?xml version="1.0" encoding="utf-8"?>
+<p:sld xmlns:a="http://schemas.openxmlformats.org/drawingml/2006/main" xmlns:r="http://schemas.openxmlformats.org/officeDocument/2006/relationships" xmlns:p="http://schemas.openxmlformats.org/presentationml/2006/main">
+  <p:cSld>
+    <p:spTree>
+      <p:nvGrpSpPr>
+        <p:cNvPr id="1" name=""/>
+        <p:cNvGrpSpPr/>
+        <p:nvPr/>
+      </p:nvGrpSpPr>
+      <p:grpSpPr>
+        <a:xfrm>
+          <a:off x="0" y="0"/>
+          <a:ext cx="0" cy="0"/>
+          <a:chOff x="0" y="0"/>
+          <a:chExt cx="0" cy="0"/>
+        </a:xfrm>
+      </p:grpSpPr>
+      <p:sp>
+        <p:nvSpPr>
           <p:cNvPr id="4" name="מלבן 3"/>
           <p:cNvSpPr/>
           <p:nvPr/>
@@ -3209,7 +4294,7 @@
         </p:blipFill>
         <p:spPr>
           <a:xfrm>
-            <a:off x="5494451" y="1383425"/>
+            <a:off x="2786421" y="1670607"/>
             <a:ext cx="6191268" cy="4501594"/>
           </a:xfrm>
           <a:prstGeom prst="rect">
@@ -3220,7 +4305,7 @@
     </p:spTree>
     <p:extLst>
       <p:ext uri="{BB962C8B-B14F-4D97-AF65-F5344CB8AC3E}">
-        <p14:creationId xmlns:p14="http://schemas.microsoft.com/office/powerpoint/2010/main" val="465868846"/>
+        <p14:creationId xmlns:p14="http://schemas.microsoft.com/office/powerpoint/2010/main" val="3395853487"/>
       </p:ext>
     </p:extLst>
   </p:cSld>
